--- a/HomeLoanAnalytics/Krishna Goswami_Module2_HomeLoanAnalytics.pptx
+++ b/HomeLoanAnalytics/Krishna Goswami_Module2_HomeLoanAnalytics.pptx
@@ -5,7 +5,7 @@
     <p:sldMasterId id="2147483708" r:id="rId1"/>
   </p:sldMasterIdLst>
   <p:notesMasterIdLst>
-    <p:notesMasterId r:id="rId26"/>
+    <p:notesMasterId r:id="rId27"/>
   </p:notesMasterIdLst>
   <p:sldIdLst>
     <p:sldId id="256" r:id="rId2"/>
@@ -31,7 +31,8 @@
     <p:sldId id="289" r:id="rId22"/>
     <p:sldId id="276" r:id="rId23"/>
     <p:sldId id="275" r:id="rId24"/>
-    <p:sldId id="277" r:id="rId25"/>
+    <p:sldId id="290" r:id="rId25"/>
+    <p:sldId id="277" r:id="rId26"/>
   </p:sldIdLst>
   <p:sldSz cx="12192000" cy="6858000"/>
   <p:notesSz cx="6858000" cy="9144000"/>
@@ -16283,6 +16284,121 @@
             <p:ph type="title"/>
           </p:nvPr>
         </p:nvSpPr>
+        <p:spPr/>
+        <p:txBody>
+          <a:bodyPr/>
+          <a:lstStyle/>
+          <a:p>
+            <a:r>
+              <a:rPr lang="en-US" dirty="0"/>
+              <a:t>GitHub Link</a:t>
+            </a:r>
+          </a:p>
+        </p:txBody>
+      </p:sp>
+      <p:sp>
+        <p:nvSpPr>
+          <p:cNvPr id="3" name="Content Placeholder 2"/>
+          <p:cNvSpPr>
+            <a:spLocks noGrp="1"/>
+          </p:cNvSpPr>
+          <p:nvPr>
+            <p:ph idx="1"/>
+          </p:nvPr>
+        </p:nvSpPr>
+        <p:spPr>
+          <a:xfrm>
+            <a:off x="1371600" y="2286000"/>
+            <a:ext cx="9601200" cy="4364182"/>
+          </a:xfrm>
+        </p:spPr>
+        <p:txBody>
+          <a:bodyPr/>
+          <a:lstStyle/>
+          <a:p>
+            <a:r>
+              <a:rPr lang="en-US" dirty="0"/>
+              <a:t>The project is developed using Python and the python can be downloaded from the below GitHub Link:</a:t>
+            </a:r>
+          </a:p>
+          <a:p>
+            <a:endParaRPr lang="en-US" dirty="0"/>
+          </a:p>
+          <a:p>
+            <a:pPr marL="0" indent="0">
+              <a:buNone/>
+            </a:pPr>
+            <a:r>
+              <a:rPr lang="en-US" dirty="0">
+                <a:hlinkClick r:id="rId2"/>
+              </a:rPr>
+              <a:t>https://github.com/kgopal1982/Analytics/blob/master/HomeLoanAnalytics/HomeLoanAssessment.ipynb</a:t>
+            </a:r>
+            <a:endParaRPr lang="en-US" dirty="0"/>
+          </a:p>
+          <a:p>
+            <a:pPr marL="0" indent="0">
+              <a:buNone/>
+            </a:pPr>
+            <a:endParaRPr lang="en-US"/>
+          </a:p>
+          <a:p>
+            <a:pPr marL="0" indent="0">
+              <a:buNone/>
+            </a:pPr>
+            <a:endParaRPr lang="en-US" dirty="0"/>
+          </a:p>
+          <a:p>
+            <a:endParaRPr lang="en-US" dirty="0"/>
+          </a:p>
+          <a:p>
+            <a:pPr marL="0" indent="0">
+              <a:buNone/>
+            </a:pPr>
+            <a:endParaRPr lang="en-US" dirty="0"/>
+          </a:p>
+        </p:txBody>
+      </p:sp>
+    </p:spTree>
+    <p:extLst>
+      <p:ext uri="{BB962C8B-B14F-4D97-AF65-F5344CB8AC3E}">
+        <p14:creationId xmlns:p14="http://schemas.microsoft.com/office/powerpoint/2010/main" val="3465816518"/>
+      </p:ext>
+    </p:extLst>
+  </p:cSld>
+  <p:clrMapOvr>
+    <a:masterClrMapping/>
+  </p:clrMapOvr>
+</p:sld>
+</file>
+
+<file path=ppt/slides/slide25.xml><?xml version="1.0" encoding="utf-8"?>
+<p:sld xmlns:a="http://schemas.openxmlformats.org/drawingml/2006/main" xmlns:r="http://schemas.openxmlformats.org/officeDocument/2006/relationships" xmlns:p="http://schemas.openxmlformats.org/presentationml/2006/main">
+  <p:cSld>
+    <p:spTree>
+      <p:nvGrpSpPr>
+        <p:cNvPr id="1" name=""/>
+        <p:cNvGrpSpPr/>
+        <p:nvPr/>
+      </p:nvGrpSpPr>
+      <p:grpSpPr>
+        <a:xfrm>
+          <a:off x="0" y="0"/>
+          <a:ext cx="0" cy="0"/>
+          <a:chOff x="0" y="0"/>
+          <a:chExt cx="0" cy="0"/>
+        </a:xfrm>
+      </p:grpSpPr>
+      <p:sp>
+        <p:nvSpPr>
+          <p:cNvPr id="2" name="Title 1"/>
+          <p:cNvSpPr>
+            <a:spLocks noGrp="1"/>
+          </p:cNvSpPr>
+          <p:nvPr>
+            <p:ph type="title"/>
+          </p:nvPr>
+        </p:nvSpPr>
         <p:spPr>
           <a:xfrm>
             <a:off x="838200" y="365125"/>

--- a/HomeLoanAnalytics/Krishna Goswami_Module2_HomeLoanAnalytics.pptx
+++ b/HomeLoanAnalytics/Krishna Goswami_Module2_HomeLoanAnalytics.pptx
@@ -5678,7 +5678,7 @@
           <a:p>
             <a:fld id="{FC688BA5-2109-42E5-B646-923EB5184521}" type="datetimeFigureOut">
               <a:rPr lang="en-US" smtClean="0"/>
-              <a:t>1/7/2018</a:t>
+              <a:t>1/17/2018</a:t>
             </a:fld>
             <a:endParaRPr lang="en-US"/>
           </a:p>
@@ -6366,7 +6366,7 @@
           <a:p>
             <a:fld id="{7BFE640B-402B-4F6B-8B07-52D13993B479}" type="datetimeFigureOut">
               <a:rPr lang="en-US" smtClean="0"/>
-              <a:t>1/7/2018</a:t>
+              <a:t>1/17/2018</a:t>
             </a:fld>
             <a:endParaRPr lang="en-US"/>
           </a:p>
@@ -6696,7 +6696,7 @@
           <a:p>
             <a:fld id="{7BFE640B-402B-4F6B-8B07-52D13993B479}" type="datetimeFigureOut">
               <a:rPr lang="en-US" smtClean="0"/>
-              <a:t>1/7/2018</a:t>
+              <a:t>1/17/2018</a:t>
             </a:fld>
             <a:endParaRPr lang="en-US"/>
           </a:p>
@@ -6876,7 +6876,7 @@
           <a:p>
             <a:fld id="{7BFE640B-402B-4F6B-8B07-52D13993B479}" type="datetimeFigureOut">
               <a:rPr lang="en-US" smtClean="0"/>
-              <a:t>1/7/2018</a:t>
+              <a:t>1/17/2018</a:t>
             </a:fld>
             <a:endParaRPr lang="en-US"/>
           </a:p>
@@ -7046,7 +7046,7 @@
           <a:p>
             <a:fld id="{7BFE640B-402B-4F6B-8B07-52D13993B479}" type="datetimeFigureOut">
               <a:rPr lang="en-US" smtClean="0"/>
-              <a:t>1/7/2018</a:t>
+              <a:t>1/17/2018</a:t>
             </a:fld>
             <a:endParaRPr lang="en-US"/>
           </a:p>
@@ -7323,7 +7323,7 @@
           <a:p>
             <a:fld id="{7BFE640B-402B-4F6B-8B07-52D13993B479}" type="datetimeFigureOut">
               <a:rPr lang="en-US" smtClean="0"/>
-              <a:t>1/7/2018</a:t>
+              <a:t>1/17/2018</a:t>
             </a:fld>
             <a:endParaRPr lang="en-US"/>
           </a:p>
@@ -7717,7 +7717,7 @@
           <a:p>
             <a:fld id="{7BFE640B-402B-4F6B-8B07-52D13993B479}" type="datetimeFigureOut">
               <a:rPr lang="en-US" smtClean="0"/>
-              <a:t>1/7/2018</a:t>
+              <a:t>1/17/2018</a:t>
             </a:fld>
             <a:endParaRPr lang="en-US"/>
           </a:p>
@@ -8194,7 +8194,7 @@
           <a:p>
             <a:fld id="{7BFE640B-402B-4F6B-8B07-52D13993B479}" type="datetimeFigureOut">
               <a:rPr lang="en-US" smtClean="0"/>
-              <a:t>1/7/2018</a:t>
+              <a:t>1/17/2018</a:t>
             </a:fld>
             <a:endParaRPr lang="en-US"/>
           </a:p>
@@ -8312,7 +8312,7 @@
           <a:p>
             <a:fld id="{7BFE640B-402B-4F6B-8B07-52D13993B479}" type="datetimeFigureOut">
               <a:rPr lang="en-US" smtClean="0"/>
-              <a:t>1/7/2018</a:t>
+              <a:t>1/17/2018</a:t>
             </a:fld>
             <a:endParaRPr lang="en-US"/>
           </a:p>
@@ -8407,7 +8407,7 @@
           <a:p>
             <a:fld id="{7BFE640B-402B-4F6B-8B07-52D13993B479}" type="datetimeFigureOut">
               <a:rPr lang="en-US" smtClean="0"/>
-              <a:t>1/7/2018</a:t>
+              <a:t>1/17/2018</a:t>
             </a:fld>
             <a:endParaRPr lang="en-US"/>
           </a:p>
@@ -8753,7 +8753,7 @@
           <a:p>
             <a:fld id="{7BFE640B-402B-4F6B-8B07-52D13993B479}" type="datetimeFigureOut">
               <a:rPr lang="en-US" smtClean="0"/>
-              <a:t>1/7/2018</a:t>
+              <a:t>1/17/2018</a:t>
             </a:fld>
             <a:endParaRPr lang="en-US"/>
           </a:p>
@@ -9141,7 +9141,7 @@
           <a:p>
             <a:fld id="{7BFE640B-402B-4F6B-8B07-52D13993B479}" type="datetimeFigureOut">
               <a:rPr lang="en-US" smtClean="0"/>
-              <a:t>1/7/2018</a:t>
+              <a:t>1/17/2018</a:t>
             </a:fld>
             <a:endParaRPr lang="en-US"/>
           </a:p>
@@ -9419,7 +9419,7 @@
           <a:p>
             <a:fld id="{7BFE640B-402B-4F6B-8B07-52D13993B479}" type="datetimeFigureOut">
               <a:rPr lang="en-US" smtClean="0"/>
-              <a:t>1/7/2018</a:t>
+              <a:t>1/17/2018</a:t>
             </a:fld>
             <a:endParaRPr lang="en-US"/>
           </a:p>
@@ -16318,7 +16318,7 @@
           <a:p>
             <a:r>
               <a:rPr lang="en-US" dirty="0"/>
-              <a:t>The project is developed using Python and the python can be downloaded from the below GitHub Link:</a:t>
+              <a:t>The project is developed using Python and R and the python/R can be downloaded from the below GitHub Link:</a:t>
             </a:r>
           </a:p>
           <a:p>
@@ -16340,7 +16340,37 @@
             <a:pPr marL="0" indent="0">
               <a:buNone/>
             </a:pPr>
+            <a:endParaRPr lang="en-US" dirty="0"/>
+          </a:p>
+          <a:p>
+            <a:pPr marL="0" indent="0">
+              <a:buNone/>
+            </a:pPr>
+            <a:r>
+              <a:rPr lang="en-US">
+                <a:hlinkClick r:id="rId3"/>
+              </a:rPr>
+              <a:t>https://github.com/kgopal1982/Analytics/blob/master/HomeLoanAnalytics/HomeloanAnalytics_usingR</a:t>
+            </a:r>
+            <a:r>
+              <a:rPr lang="en-US">
+                <a:hlinkClick r:id="rId3"/>
+              </a:rPr>
+              <a:t>.R</a:t>
+            </a:r>
             <a:endParaRPr lang="en-US"/>
+          </a:p>
+          <a:p>
+            <a:pPr marL="0" indent="0">
+              <a:buNone/>
+            </a:pPr>
+            <a:endParaRPr lang="en-US" dirty="0"/>
+          </a:p>
+          <a:p>
+            <a:pPr marL="0" indent="0">
+              <a:buNone/>
+            </a:pPr>
+            <a:endParaRPr lang="en-US" dirty="0"/>
           </a:p>
           <a:p>
             <a:pPr marL="0" indent="0">
